--- a/Other resources/SECO-ASSIST-11-2020.pptx
+++ b/Other resources/SECO-ASSIST-11-2020.pptx
@@ -8,10 +8,10 @@
     <p:sldMasterId id="2147483718" r:id="rId4"/>
   </p:sldMasterIdLst>
   <p:notesMasterIdLst>
-    <p:notesMasterId r:id="rId63"/>
+    <p:notesMasterId r:id="rId64"/>
   </p:notesMasterIdLst>
   <p:handoutMasterIdLst>
-    <p:handoutMasterId r:id="rId64"/>
+    <p:handoutMasterId r:id="rId65"/>
   </p:handoutMasterIdLst>
   <p:sldIdLst>
     <p:sldId id="272" r:id="rId5"/>
@@ -70,8 +70,9 @@
     <p:sldId id="370" r:id="rId58"/>
     <p:sldId id="386" r:id="rId59"/>
     <p:sldId id="329" r:id="rId60"/>
-    <p:sldId id="420" r:id="rId61"/>
-    <p:sldId id="387" r:id="rId62"/>
+    <p:sldId id="387" r:id="rId61"/>
+    <p:sldId id="420" r:id="rId62"/>
+    <p:sldId id="422" r:id="rId63"/>
   </p:sldIdLst>
   <p:sldSz cx="9144000" cy="6858000" type="screen4x3"/>
   <p:notesSz cx="6889750" cy="10018713"/>
@@ -334,7 +335,7 @@
               <a:pPr>
                 <a:defRPr/>
               </a:pPr>
-              <a:t>16/11/2020</a:t>
+              <a:t>17/11/2020</a:t>
             </a:fld>
             <a:endParaRPr lang="fr-FR"/>
           </a:p>
@@ -528,7 +529,7 @@
               <a:pPr>
                 <a:defRPr/>
               </a:pPr>
-              <a:t>16/11/2020</a:t>
+              <a:t>17/11/2020</a:t>
             </a:fld>
             <a:endParaRPr lang="fr-FR"/>
           </a:p>
@@ -5114,7 +5115,7 @@
               <a:pPr>
                 <a:defRPr/>
               </a:pPr>
-              <a:t>57</a:t>
+              <a:t>58</a:t>
             </a:fld>
             <a:endParaRPr lang="fr-FR"/>
           </a:p>
@@ -5124,6 +5125,121 @@
     <p:extLst>
       <p:ext uri="{BB962C8B-B14F-4D97-AF65-F5344CB8AC3E}">
         <p14:creationId xmlns:p14="http://schemas.microsoft.com/office/powerpoint/2010/main" val="3533556648"/>
+      </p:ext>
+    </p:extLst>
+  </p:cSld>
+  <p:clrMapOvr>
+    <a:masterClrMapping/>
+  </p:clrMapOvr>
+</p:notes>
+</file>
+
+<file path=ppt/notesSlides/notesSlide38.xml><?xml version="1.0" encoding="utf-8"?>
+<p:notes xmlns:a="http://schemas.openxmlformats.org/drawingml/2006/main" xmlns:r="http://schemas.openxmlformats.org/officeDocument/2006/relationships" xmlns:p="http://schemas.openxmlformats.org/presentationml/2006/main">
+  <p:cSld>
+    <p:spTree>
+      <p:nvGrpSpPr>
+        <p:cNvPr id="1" name=""/>
+        <p:cNvGrpSpPr/>
+        <p:nvPr/>
+      </p:nvGrpSpPr>
+      <p:grpSpPr>
+        <a:xfrm>
+          <a:off x="0" y="0"/>
+          <a:ext cx="0" cy="0"/>
+          <a:chOff x="0" y="0"/>
+          <a:chExt cx="0" cy="0"/>
+        </a:xfrm>
+      </p:grpSpPr>
+      <p:sp>
+        <p:nvSpPr>
+          <p:cNvPr id="2" name="Slide Image Placeholder 1"/>
+          <p:cNvSpPr>
+            <a:spLocks noGrp="1" noRot="1" noChangeAspect="1"/>
+          </p:cNvSpPr>
+          <p:nvPr>
+            <p:ph type="sldImg"/>
+          </p:nvPr>
+        </p:nvSpPr>
+        <p:spPr/>
+      </p:sp>
+      <p:sp>
+        <p:nvSpPr>
+          <p:cNvPr id="3" name="Notes Placeholder 2"/>
+          <p:cNvSpPr>
+            <a:spLocks noGrp="1"/>
+          </p:cNvSpPr>
+          <p:nvPr>
+            <p:ph type="body" idx="1"/>
+          </p:nvPr>
+        </p:nvSpPr>
+        <p:spPr/>
+        <p:txBody>
+          <a:bodyPr/>
+          <a:lstStyle/>
+          <a:p>
+            <a:pPr marL="171450" marR="0" lvl="0" indent="-171450" algn="l" defTabSz="914400" rtl="0" eaLnBrk="0" fontAlgn="base" latinLnBrk="0" hangingPunct="0">
+              <a:lnSpc>
+                <a:spcPct val="100000"/>
+              </a:lnSpc>
+              <a:spcBef>
+                <a:spcPct val="30000"/>
+              </a:spcBef>
+              <a:spcAft>
+                <a:spcPct val="0"/>
+              </a:spcAft>
+              <a:buClrTx/>
+              <a:buSzTx/>
+              <a:buFontTx/>
+              <a:buChar char="-"/>
+              <a:tabLst/>
+              <a:defRPr/>
+            </a:pPr>
+            <a:r>
+              <a:rPr lang="fr-FR" baseline="0" dirty="0" err="1" smtClean="0"/>
+              <a:t>Research</a:t>
+            </a:r>
+            <a:r>
+              <a:rPr lang="fr-FR" baseline="0" dirty="0" smtClean="0"/>
+              <a:t> questions</a:t>
+            </a:r>
+            <a:endParaRPr lang="fr-BE" baseline="0" dirty="0" smtClean="0"/>
+          </a:p>
+        </p:txBody>
+      </p:sp>
+      <p:sp>
+        <p:nvSpPr>
+          <p:cNvPr id="4" name="Slide Number Placeholder 3"/>
+          <p:cNvSpPr>
+            <a:spLocks noGrp="1"/>
+          </p:cNvSpPr>
+          <p:nvPr>
+            <p:ph type="sldNum" sz="quarter" idx="10"/>
+          </p:nvPr>
+        </p:nvSpPr>
+        <p:spPr/>
+        <p:txBody>
+          <a:bodyPr/>
+          <a:lstStyle/>
+          <a:p>
+            <a:pPr>
+              <a:defRPr/>
+            </a:pPr>
+            <a:fld id="{5EB79965-9F72-4C94-B1DD-A990D8104F27}" type="slidenum">
+              <a:rPr lang="fr-FR" smtClean="0"/>
+              <a:pPr>
+                <a:defRPr/>
+              </a:pPr>
+              <a:t>59</a:t>
+            </a:fld>
+            <a:endParaRPr lang="fr-FR"/>
+          </a:p>
+        </p:txBody>
+      </p:sp>
+    </p:spTree>
+    <p:extLst>
+      <p:ext uri="{BB962C8B-B14F-4D97-AF65-F5344CB8AC3E}">
+        <p14:creationId xmlns:p14="http://schemas.microsoft.com/office/powerpoint/2010/main" val="2242294888"/>
       </p:ext>
     </p:extLst>
   </p:cSld>
@@ -10975,8 +11091,8 @@
         </p:blipFill>
         <p:spPr bwMode="auto">
           <a:xfrm>
-            <a:off x="1213475" y="5675281"/>
-            <a:ext cx="933079" cy="774669"/>
+            <a:off x="4887885" y="5061204"/>
+            <a:ext cx="1672728" cy="1388747"/>
           </a:xfrm>
           <a:prstGeom prst="rect">
             <a:avLst/>
@@ -16420,14 +16536,7 @@
                 <a:latin typeface="Verdana" panose="020B0604030504040204" pitchFamily="34" charset="0"/>
                 <a:ea typeface="Verdana" panose="020B0604030504040204" pitchFamily="34" charset="0"/>
               </a:rPr>
-              <a:t>The </a:t>
-            </a:r>
-            <a:r>
-              <a:rPr lang="fr-FR" dirty="0" smtClean="0">
-                <a:latin typeface="Verdana" panose="020B0604030504040204" pitchFamily="34" charset="0"/>
-                <a:ea typeface="Verdana" panose="020B0604030504040204" pitchFamily="34" charset="0"/>
-              </a:rPr>
-              <a:t>management of system </a:t>
+              <a:t>The management of system </a:t>
             </a:r>
             <a:r>
               <a:rPr lang="fr-FR" dirty="0" err="1" smtClean="0">
@@ -16640,6 +16749,13 @@
   <p:clrMapOvr>
     <a:masterClrMapping/>
   </p:clrMapOvr>
+  <p:timing>
+    <p:tnLst>
+      <p:par>
+        <p:cTn id="1" dur="indefinite" restart="never" nodeType="tmRoot"/>
+      </p:par>
+    </p:tnLst>
+  </p:timing>
 </p:sld>
 </file>
 
@@ -16762,6 +16878,13 @@
   <p:clrMapOvr>
     <a:masterClrMapping/>
   </p:clrMapOvr>
+  <p:timing>
+    <p:tnLst>
+      <p:par>
+        <p:cTn id="1" dur="indefinite" restart="never" nodeType="tmRoot"/>
+      </p:par>
+    </p:tnLst>
+  </p:timing>
 </p:sld>
 </file>
 
@@ -16860,6 +16983,13 @@
   <p:clrMapOvr>
     <a:masterClrMapping/>
   </p:clrMapOvr>
+  <p:timing>
+    <p:tnLst>
+      <p:par>
+        <p:cTn id="1" dur="indefinite" restart="never" nodeType="tmRoot"/>
+      </p:par>
+    </p:tnLst>
+  </p:timing>
 </p:sld>
 </file>
 
@@ -16965,6 +17095,13 @@
   <p:clrMapOvr>
     <a:masterClrMapping/>
   </p:clrMapOvr>
+  <p:timing>
+    <p:tnLst>
+      <p:par>
+        <p:cTn id="1" dur="indefinite" restart="never" nodeType="tmRoot"/>
+      </p:par>
+    </p:tnLst>
+  </p:timing>
 </p:sld>
 </file>
 
@@ -17251,6 +17388,13 @@
   <p:clrMapOvr>
     <a:masterClrMapping/>
   </p:clrMapOvr>
+  <p:timing>
+    <p:tnLst>
+      <p:par>
+        <p:cTn id="1" dur="indefinite" restart="never" nodeType="tmRoot"/>
+      </p:par>
+    </p:tnLst>
+  </p:timing>
 </p:sld>
 </file>
 
@@ -17308,6 +17452,13 @@
   <p:clrMapOvr>
     <a:masterClrMapping/>
   </p:clrMapOvr>
+  <p:timing>
+    <p:tnLst>
+      <p:par>
+        <p:cTn id="1" dur="indefinite" restart="never" nodeType="tmRoot"/>
+      </p:par>
+    </p:tnLst>
+  </p:timing>
 </p:sld>
 </file>
 
@@ -17573,6 +17724,13 @@
   <p:clrMapOvr>
     <a:masterClrMapping/>
   </p:clrMapOvr>
+  <p:timing>
+    <p:tnLst>
+      <p:par>
+        <p:cTn id="1" dur="indefinite" restart="never" nodeType="tmRoot"/>
+      </p:par>
+    </p:tnLst>
+  </p:timing>
 </p:sld>
 </file>
 
@@ -17650,6 +17808,13 @@
   <p:clrMapOvr>
     <a:masterClrMapping/>
   </p:clrMapOvr>
+  <p:timing>
+    <p:tnLst>
+      <p:par>
+        <p:cTn id="1" dur="indefinite" restart="never" nodeType="tmRoot"/>
+      </p:par>
+    </p:tnLst>
+  </p:timing>
 </p:sld>
 </file>
 
@@ -17782,6 +17947,13 @@
   <p:clrMapOvr>
     <a:masterClrMapping/>
   </p:clrMapOvr>
+  <p:timing>
+    <p:tnLst>
+      <p:par>
+        <p:cTn id="1" dur="indefinite" restart="never" nodeType="tmRoot"/>
+      </p:par>
+    </p:tnLst>
+  </p:timing>
 </p:sld>
 </file>
 
@@ -29616,11 +29788,11 @@
   <p:clrMapOvr>
     <a:masterClrMapping/>
   </p:clrMapOvr>
-  <mc:AlternateContent xmlns:mc="http://schemas.openxmlformats.org/markup-compatibility/2006">
-    <mc:Choice xmlns:p14="http://schemas.microsoft.com/office/powerpoint/2010/main" Requires="p14">
+  <mc:AlternateContent xmlns:mc="http://schemas.openxmlformats.org/markup-compatibility/2006" xmlns:p14="http://schemas.microsoft.com/office/powerpoint/2010/main">
+    <mc:Choice Requires="p14">
       <p:transition spd="slow" p14:dur="2000"/>
     </mc:Choice>
-    <mc:Fallback>
+    <mc:Fallback xmlns="">
       <p:transition spd="slow"/>
     </mc:Fallback>
   </mc:AlternateContent>
@@ -29872,7 +30044,6 @@
               <a:rPr lang="fr-FR" dirty="0" smtClean="0"/>
               <a:t>)</a:t>
             </a:r>
-            <a:endParaRPr lang="fr-FR" dirty="0" smtClean="0"/>
           </a:p>
           <a:p>
             <a:pPr marL="285750" indent="-285750">
@@ -29931,7 +30102,11 @@
             </a:r>
             <a:r>
               <a:rPr lang="fr-FR" dirty="0" smtClean="0"/>
-              <a:t> and impact matrix</a:t>
+              <a:t> and impact </a:t>
+            </a:r>
+            <a:r>
+              <a:rPr lang="fr-FR" dirty="0" smtClean="0"/>
+              <a:t>matrix</a:t>
             </a:r>
             <a:endParaRPr lang="fr-FR" dirty="0" smtClean="0"/>
           </a:p>
@@ -30009,7 +30184,7 @@
         <p:spPr>
           <a:xfrm>
             <a:off x="555170" y="3512106"/>
-            <a:ext cx="7785756" cy="1754326"/>
+            <a:ext cx="7785756" cy="2031325"/>
           </a:xfrm>
           <a:prstGeom prst="rect">
             <a:avLst/>
@@ -30078,23 +30253,18 @@
             </a:r>
             <a:r>
               <a:rPr lang="fr-FR" dirty="0" smtClean="0"/>
-              <a:t> in model</a:t>
-            </a:r>
-            <a:endParaRPr lang="fr-FR" dirty="0" smtClean="0"/>
+              <a:t> in </a:t>
+            </a:r>
+            <a:r>
+              <a:rPr lang="fr-FR" dirty="0" smtClean="0"/>
+              <a:t>model</a:t>
+            </a:r>
           </a:p>
           <a:p>
             <a:pPr marL="285750" indent="-285750">
               <a:buFont typeface="Arial" panose="020B0604020202020204" pitchFamily="34" charset="0"/>
               <a:buChar char="•"/>
             </a:pPr>
-            <a:r>
-              <a:rPr lang="fr-FR" dirty="0" smtClean="0"/>
-              <a:t>Evolution handling </a:t>
-            </a:r>
-            <a:r>
-              <a:rPr lang="fr-FR" dirty="0" err="1" smtClean="0"/>
-              <a:t>implementation</a:t>
-            </a:r>
             <a:endParaRPr lang="fr-FR" dirty="0" smtClean="0"/>
           </a:p>
           <a:p>
@@ -30104,32 +30274,13 @@
             </a:pPr>
             <a:r>
               <a:rPr lang="fr-FR" dirty="0" smtClean="0"/>
-              <a:t>Recommandation of </a:t>
+              <a:t>Evolution handling </a:t>
             </a:r>
             <a:r>
               <a:rPr lang="fr-FR" dirty="0" err="1" smtClean="0"/>
-              <a:t>evolution</a:t>
-            </a:r>
-            <a:r>
-              <a:rPr lang="fr-FR" dirty="0" smtClean="0"/>
-              <a:t> </a:t>
-            </a:r>
-            <a:r>
-              <a:rPr lang="fr-FR" dirty="0" err="1" smtClean="0"/>
-              <a:t>operator</a:t>
-            </a:r>
-            <a:r>
-              <a:rPr lang="fr-FR" dirty="0" smtClean="0"/>
-              <a:t> to </a:t>
-            </a:r>
-            <a:r>
-              <a:rPr lang="fr-FR" dirty="0" err="1" smtClean="0"/>
-              <a:t>apply</a:t>
-            </a:r>
-            <a:r>
-              <a:rPr lang="fr-FR" dirty="0" smtClean="0"/>
-              <a:t> </a:t>
-            </a:r>
+              <a:t>implementation</a:t>
+            </a:r>
+            <a:endParaRPr lang="fr-FR" dirty="0" smtClean="0"/>
           </a:p>
           <a:p>
             <a:pPr marL="285750" indent="-285750">
@@ -30138,6 +30289,44 @@
             </a:pPr>
             <a:r>
               <a:rPr lang="fr-FR" dirty="0" smtClean="0"/>
+              <a:t>Recommandation of </a:t>
+            </a:r>
+            <a:r>
+              <a:rPr lang="fr-FR" dirty="0" err="1" smtClean="0"/>
+              <a:t>evolution</a:t>
+            </a:r>
+            <a:r>
+              <a:rPr lang="fr-FR" dirty="0" smtClean="0"/>
+              <a:t> </a:t>
+            </a:r>
+            <a:r>
+              <a:rPr lang="fr-FR" dirty="0" err="1" smtClean="0"/>
+              <a:t>operators</a:t>
+            </a:r>
+            <a:r>
+              <a:rPr lang="fr-FR" dirty="0" smtClean="0"/>
+              <a:t> </a:t>
+            </a:r>
+            <a:r>
+              <a:rPr lang="fr-FR" dirty="0" smtClean="0"/>
+              <a:t>to </a:t>
+            </a:r>
+            <a:r>
+              <a:rPr lang="fr-FR" dirty="0" err="1" smtClean="0"/>
+              <a:t>apply</a:t>
+            </a:r>
+            <a:r>
+              <a:rPr lang="fr-FR" dirty="0" smtClean="0"/>
+              <a:t> </a:t>
+            </a:r>
+          </a:p>
+          <a:p>
+            <a:pPr marL="285750" indent="-285750">
+              <a:buFont typeface="Arial" panose="020B0604020202020204" pitchFamily="34" charset="0"/>
+              <a:buChar char="•"/>
+            </a:pPr>
+            <a:r>
+              <a:rPr lang="fr-FR" dirty="0" smtClean="0"/>
               <a:t>Tests &amp; </a:t>
             </a:r>
             <a:r>
@@ -30146,11 +30335,7 @@
             </a:r>
             <a:r>
               <a:rPr lang="fr-FR" dirty="0" smtClean="0"/>
-              <a:t>!</a:t>
-            </a:r>
-            <a:r>
-              <a:rPr lang="fr-FR" dirty="0" smtClean="0"/>
-              <a:t> </a:t>
+              <a:t>! </a:t>
             </a:r>
             <a:endParaRPr lang="fr-BE" dirty="0"/>
           </a:p>
@@ -30188,11 +30373,11 @@
   <p:clrMapOvr>
     <a:masterClrMapping/>
   </p:clrMapOvr>
-  <mc:AlternateContent xmlns:mc="http://schemas.openxmlformats.org/markup-compatibility/2006">
-    <mc:Choice xmlns:p14="http://schemas.microsoft.com/office/powerpoint/2010/main" Requires="p14">
+  <mc:AlternateContent xmlns:mc="http://schemas.openxmlformats.org/markup-compatibility/2006" xmlns:p14="http://schemas.microsoft.com/office/powerpoint/2010/main">
+    <mc:Choice Requires="p14">
       <p:transition spd="slow" p14:dur="2000"/>
     </mc:Choice>
-    <mc:Fallback>
+    <mc:Fallback xmlns="">
       <p:transition spd="slow"/>
     </mc:Fallback>
   </mc:AlternateContent>
@@ -30207,408 +30392,6 @@
 </file>
 
 <file path=ppt/slides/slide57.xml><?xml version="1.0" encoding="utf-8"?>
-<p:sld xmlns:a="http://schemas.openxmlformats.org/drawingml/2006/main" xmlns:r="http://schemas.openxmlformats.org/officeDocument/2006/relationships" xmlns:p="http://schemas.openxmlformats.org/presentationml/2006/main" show="0">
-  <p:cSld>
-    <p:spTree>
-      <p:nvGrpSpPr>
-        <p:cNvPr id="1" name=""/>
-        <p:cNvGrpSpPr/>
-        <p:nvPr/>
-      </p:nvGrpSpPr>
-      <p:grpSpPr>
-        <a:xfrm>
-          <a:off x="0" y="0"/>
-          <a:ext cx="0" cy="0"/>
-          <a:chOff x="0" y="0"/>
-          <a:chExt cx="0" cy="0"/>
-        </a:xfrm>
-      </p:grpSpPr>
-      <p:sp>
-        <p:nvSpPr>
-          <p:cNvPr id="8" name="Rectangle 7"/>
-          <p:cNvSpPr/>
-          <p:nvPr/>
-        </p:nvSpPr>
-        <p:spPr>
-          <a:xfrm>
-            <a:off x="-2233486" y="708556"/>
-            <a:ext cx="8033657" cy="646331"/>
-          </a:xfrm>
-          <a:prstGeom prst="rect">
-            <a:avLst/>
-          </a:prstGeom>
-        </p:spPr>
-        <p:txBody>
-          <a:bodyPr wrap="square">
-            <a:spAutoFit/>
-          </a:bodyPr>
-          <a:lstStyle/>
-          <a:p>
-            <a:pPr marL="285750" indent="-285750">
-              <a:buFont typeface="Arial" panose="020B0604020202020204" pitchFamily="34" charset="0"/>
-              <a:buChar char="•"/>
-            </a:pPr>
-            <a:endParaRPr lang="fr-FR" dirty="0" smtClean="0">
-              <a:latin typeface="Verdana" panose="020B0604030504040204" pitchFamily="34" charset="0"/>
-              <a:ea typeface="Verdana" panose="020B0604030504040204" pitchFamily="34" charset="0"/>
-            </a:endParaRPr>
-          </a:p>
-          <a:p>
-            <a:pPr marL="285750" indent="-285750">
-              <a:buFont typeface="Arial" panose="020B0604020202020204" pitchFamily="34" charset="0"/>
-              <a:buChar char="•"/>
-            </a:pPr>
-            <a:endParaRPr lang="fr-BE" dirty="0">
-              <a:latin typeface="Verdana" panose="020B0604030504040204" pitchFamily="34" charset="0"/>
-              <a:ea typeface="Verdana" panose="020B0604030504040204" pitchFamily="34" charset="0"/>
-            </a:endParaRPr>
-          </a:p>
-        </p:txBody>
-      </p:sp>
-      <p:sp>
-        <p:nvSpPr>
-          <p:cNvPr id="4" name="Rectangle 3"/>
-          <p:cNvSpPr/>
-          <p:nvPr/>
-        </p:nvSpPr>
-        <p:spPr>
-          <a:xfrm>
-            <a:off x="555171" y="508502"/>
-            <a:ext cx="8033657" cy="523220"/>
-          </a:xfrm>
-          <a:prstGeom prst="rect">
-            <a:avLst/>
-          </a:prstGeom>
-        </p:spPr>
-        <p:txBody>
-          <a:bodyPr wrap="square">
-            <a:spAutoFit/>
-          </a:bodyPr>
-          <a:lstStyle/>
-          <a:p>
-            <a:r>
-              <a:rPr lang="fr-BE" sz="2800" b="1" dirty="0" smtClean="0">
-                <a:latin typeface="Verdana" panose="020B0604030504040204" pitchFamily="34" charset="0"/>
-                <a:ea typeface="Verdana" panose="020B0604030504040204" pitchFamily="34" charset="0"/>
-              </a:rPr>
-              <a:t>Challenges</a:t>
-            </a:r>
-            <a:endParaRPr lang="fr-BE" sz="2800" b="1" dirty="0" smtClean="0">
-              <a:latin typeface="Verdana" panose="020B0604030504040204" pitchFamily="34" charset="0"/>
-              <a:ea typeface="Verdana" panose="020B0604030504040204" pitchFamily="34" charset="0"/>
-            </a:endParaRPr>
-          </a:p>
-        </p:txBody>
-      </p:sp>
-      <p:sp>
-        <p:nvSpPr>
-          <p:cNvPr id="6" name="ZoneTexte 5"/>
-          <p:cNvSpPr txBox="1"/>
-          <p:nvPr/>
-        </p:nvSpPr>
-        <p:spPr>
-          <a:xfrm>
-            <a:off x="555171" y="1160890"/>
-            <a:ext cx="7785756" cy="2585323"/>
-          </a:xfrm>
-          <a:prstGeom prst="rect">
-            <a:avLst/>
-          </a:prstGeom>
-          <a:noFill/>
-        </p:spPr>
-        <p:txBody>
-          <a:bodyPr wrap="square" rtlCol="0">
-            <a:spAutoFit/>
-          </a:bodyPr>
-          <a:lstStyle/>
-          <a:p>
-            <a:pPr marL="285750" indent="-285750">
-              <a:buFont typeface="Arial" panose="020B0604020202020204" pitchFamily="34" charset="0"/>
-              <a:buChar char="•"/>
-            </a:pPr>
-            <a:endParaRPr lang="fr-FR" dirty="0"/>
-          </a:p>
-          <a:p>
-            <a:pPr marL="285750" indent="-285750">
-              <a:buFont typeface="Arial" panose="020B0604020202020204" pitchFamily="34" charset="0"/>
-              <a:buChar char="•"/>
-            </a:pPr>
-            <a:endParaRPr lang="fr-FR" dirty="0"/>
-          </a:p>
-          <a:p>
-            <a:pPr marL="285750" indent="-285750">
-              <a:buFont typeface="Arial" panose="020B0604020202020204" pitchFamily="34" charset="0"/>
-              <a:buChar char="•"/>
-            </a:pPr>
-            <a:r>
-              <a:rPr lang="fr-FR" dirty="0" err="1" smtClean="0"/>
-              <a:t>Choice</a:t>
-            </a:r>
-            <a:r>
-              <a:rPr lang="fr-FR" dirty="0" smtClean="0"/>
-              <a:t> of cod</a:t>
-            </a:r>
-            <a:r>
-              <a:rPr lang="fr-FR" dirty="0" smtClean="0"/>
-              <a:t>e </a:t>
-            </a:r>
-            <a:r>
-              <a:rPr lang="fr-FR" dirty="0" err="1" smtClean="0"/>
-              <a:t>generated</a:t>
-            </a:r>
-            <a:r>
-              <a:rPr lang="fr-FR" dirty="0" smtClean="0"/>
-              <a:t> </a:t>
-            </a:r>
-            <a:r>
-              <a:rPr lang="fr-FR" dirty="0" err="1" smtClean="0"/>
-              <a:t>technology</a:t>
-            </a:r>
-            <a:r>
-              <a:rPr lang="fr-FR" dirty="0" smtClean="0"/>
-              <a:t>, java code </a:t>
-            </a:r>
-            <a:r>
-              <a:rPr lang="fr-FR" dirty="0" err="1" smtClean="0"/>
-              <a:t>access</a:t>
-            </a:r>
-            <a:r>
-              <a:rPr lang="fr-FR" dirty="0" smtClean="0"/>
-              <a:t> </a:t>
-            </a:r>
-            <a:r>
-              <a:rPr lang="fr-FR" dirty="0" err="1" smtClean="0"/>
-              <a:t>library</a:t>
-            </a:r>
-            <a:r>
-              <a:rPr lang="fr-FR" dirty="0" smtClean="0"/>
-              <a:t> or REST API,...?</a:t>
-            </a:r>
-          </a:p>
-          <a:p>
-            <a:pPr marL="742950" lvl="1" indent="-285750">
-              <a:buFont typeface="Arial" panose="020B0604020202020204" pitchFamily="34" charset="0"/>
-              <a:buChar char="•"/>
-            </a:pPr>
-            <a:r>
-              <a:rPr lang="fr-FR" dirty="0" err="1" smtClean="0"/>
-              <a:t>We</a:t>
-            </a:r>
-            <a:r>
-              <a:rPr lang="fr-FR" dirty="0" smtClean="0"/>
-              <a:t> </a:t>
-            </a:r>
-            <a:r>
-              <a:rPr lang="fr-FR" dirty="0" err="1" smtClean="0"/>
-              <a:t>will</a:t>
-            </a:r>
-            <a:r>
-              <a:rPr lang="fr-FR" dirty="0" smtClean="0"/>
-              <a:t> </a:t>
-            </a:r>
-            <a:r>
-              <a:rPr lang="fr-FR" dirty="0" err="1" smtClean="0"/>
-              <a:t>benefit</a:t>
-            </a:r>
-            <a:r>
-              <a:rPr lang="fr-FR" dirty="0" smtClean="0"/>
-              <a:t> </a:t>
-            </a:r>
-            <a:r>
-              <a:rPr lang="fr-FR" dirty="0" err="1" smtClean="0"/>
-              <a:t>from</a:t>
-            </a:r>
-            <a:r>
-              <a:rPr lang="fr-FR" dirty="0" smtClean="0"/>
-              <a:t> the </a:t>
-            </a:r>
-            <a:r>
-              <a:rPr lang="fr-FR" dirty="0" err="1" smtClean="0"/>
-              <a:t>numbers</a:t>
-            </a:r>
-            <a:r>
-              <a:rPr lang="fr-FR" dirty="0" smtClean="0"/>
-              <a:t> of </a:t>
-            </a:r>
-            <a:r>
-              <a:rPr lang="fr-FR" dirty="0" err="1" smtClean="0"/>
-              <a:t>our</a:t>
-            </a:r>
-            <a:r>
-              <a:rPr lang="fr-FR" dirty="0" smtClean="0"/>
-              <a:t> </a:t>
-            </a:r>
-            <a:r>
-              <a:rPr lang="fr-FR" dirty="0" err="1" smtClean="0"/>
-              <a:t>NoSQL</a:t>
-            </a:r>
-            <a:r>
-              <a:rPr lang="fr-FR" dirty="0" smtClean="0"/>
-              <a:t> </a:t>
-            </a:r>
-            <a:r>
-              <a:rPr lang="fr-FR" dirty="0" err="1" smtClean="0"/>
-              <a:t>analysis</a:t>
-            </a:r>
-            <a:r>
-              <a:rPr lang="fr-FR" dirty="0" smtClean="0"/>
-              <a:t> (Pol)</a:t>
-            </a:r>
-          </a:p>
-          <a:p>
-            <a:pPr marL="742950" lvl="1" indent="-285750">
-              <a:buFont typeface="Arial" panose="020B0604020202020204" pitchFamily="34" charset="0"/>
-              <a:buChar char="•"/>
-            </a:pPr>
-            <a:endParaRPr lang="fr-FR" dirty="0" smtClean="0"/>
-          </a:p>
-          <a:p>
-            <a:pPr marL="285750" indent="-285750">
-              <a:buFont typeface="Arial" panose="020B0604020202020204" pitchFamily="34" charset="0"/>
-              <a:buChar char="•"/>
-            </a:pPr>
-            <a:r>
-              <a:rPr lang="fr-FR" dirty="0" err="1" smtClean="0"/>
-              <a:t>Reconciliation</a:t>
-            </a:r>
-            <a:r>
-              <a:rPr lang="fr-FR" dirty="0" smtClean="0"/>
-              <a:t> of data on multiple </a:t>
-            </a:r>
-            <a:r>
-              <a:rPr lang="fr-FR" dirty="0" err="1" smtClean="0"/>
-              <a:t>database</a:t>
-            </a:r>
-            <a:r>
-              <a:rPr lang="fr-FR" dirty="0" smtClean="0"/>
-              <a:t> (</a:t>
-            </a:r>
-            <a:r>
-              <a:rPr lang="fr-FR" dirty="0" err="1" smtClean="0"/>
-              <a:t>identity</a:t>
-            </a:r>
-            <a:r>
-              <a:rPr lang="fr-FR" dirty="0" smtClean="0"/>
-              <a:t> </a:t>
-            </a:r>
-            <a:r>
-              <a:rPr lang="fr-FR" dirty="0" err="1" smtClean="0"/>
-              <a:t>merging</a:t>
-            </a:r>
-            <a:r>
-              <a:rPr lang="fr-FR" dirty="0" smtClean="0"/>
-              <a:t>) </a:t>
-            </a:r>
-          </a:p>
-          <a:p>
-            <a:pPr marL="285750" indent="-285750">
-              <a:buFont typeface="Arial" panose="020B0604020202020204" pitchFamily="34" charset="0"/>
-              <a:buChar char="•"/>
-            </a:pPr>
-            <a:r>
-              <a:rPr lang="fr-FR" dirty="0" err="1" smtClean="0"/>
-              <a:t>Big</a:t>
-            </a:r>
-            <a:r>
-              <a:rPr lang="fr-FR" dirty="0" smtClean="0"/>
-              <a:t> data aspect and </a:t>
-            </a:r>
-            <a:r>
-              <a:rPr lang="fr-FR" dirty="0" err="1" smtClean="0"/>
-              <a:t>scalability</a:t>
-            </a:r>
-            <a:endParaRPr lang="fr-FR" dirty="0" smtClean="0"/>
-          </a:p>
-          <a:p>
-            <a:pPr marL="285750" indent="-285750">
-              <a:buFont typeface="Arial" panose="020B0604020202020204" pitchFamily="34" charset="0"/>
-              <a:buChar char="•"/>
-            </a:pPr>
-            <a:r>
-              <a:rPr lang="fr-FR" dirty="0" err="1" smtClean="0"/>
-              <a:t>Integration</a:t>
-            </a:r>
-            <a:r>
-              <a:rPr lang="fr-FR" dirty="0" smtClean="0"/>
-              <a:t> of the </a:t>
-            </a:r>
-            <a:r>
-              <a:rPr lang="fr-FR" dirty="0" err="1" smtClean="0"/>
-              <a:t>different</a:t>
-            </a:r>
-            <a:r>
-              <a:rPr lang="fr-FR" dirty="0" smtClean="0"/>
-              <a:t> data migration </a:t>
-            </a:r>
-            <a:r>
-              <a:rPr lang="fr-FR" dirty="0" err="1" smtClean="0"/>
-              <a:t>strategies</a:t>
-            </a:r>
-            <a:endParaRPr lang="fr-FR" dirty="0" smtClean="0"/>
-          </a:p>
-          <a:p>
-            <a:pPr marL="285750" indent="-285750">
-              <a:buFont typeface="Arial" panose="020B0604020202020204" pitchFamily="34" charset="0"/>
-              <a:buChar char="•"/>
-            </a:pPr>
-            <a:r>
-              <a:rPr lang="fr-FR" dirty="0" smtClean="0"/>
-              <a:t>...</a:t>
-            </a:r>
-          </a:p>
-        </p:txBody>
-      </p:sp>
-      <p:sp>
-        <p:nvSpPr>
-          <p:cNvPr id="2" name="Espace réservé du numéro de diapositive 1"/>
-          <p:cNvSpPr>
-            <a:spLocks noGrp="1"/>
-          </p:cNvSpPr>
-          <p:nvPr>
-            <p:ph type="sldNum" sz="quarter" idx="12"/>
-          </p:nvPr>
-        </p:nvSpPr>
-        <p:spPr/>
-        <p:txBody>
-          <a:bodyPr/>
-          <a:lstStyle/>
-          <a:p>
-            <a:pPr>
-              <a:defRPr/>
-            </a:pPr>
-            <a:endParaRPr lang="en-US"/>
-          </a:p>
-        </p:txBody>
-      </p:sp>
-    </p:spTree>
-    <p:extLst>
-      <p:ext uri="{BB962C8B-B14F-4D97-AF65-F5344CB8AC3E}">
-        <p14:creationId xmlns:p14="http://schemas.microsoft.com/office/powerpoint/2010/main" val="645121021"/>
-      </p:ext>
-    </p:extLst>
-  </p:cSld>
-  <p:clrMapOvr>
-    <a:masterClrMapping/>
-  </p:clrMapOvr>
-  <mc:AlternateContent xmlns:mc="http://schemas.openxmlformats.org/markup-compatibility/2006">
-    <mc:Choice xmlns:p14="http://schemas.microsoft.com/office/powerpoint/2010/main" Requires="p14">
-      <p:transition spd="slow" p14:dur="2000"/>
-    </mc:Choice>
-    <mc:Fallback>
-      <p:transition spd="slow"/>
-    </mc:Fallback>
-  </mc:AlternateContent>
-  <p:timing>
-    <p:tnLst>
-      <p:par>
-        <p:cTn id="1" dur="indefinite" restart="never" nodeType="tmRoot"/>
-      </p:par>
-    </p:tnLst>
-  </p:timing>
-</p:sld>
-</file>
-
-<file path=ppt/slides/slide58.xml><?xml version="1.0" encoding="utf-8"?>
 <p:sld xmlns:a="http://schemas.openxmlformats.org/drawingml/2006/main" xmlns:r="http://schemas.openxmlformats.org/officeDocument/2006/relationships" xmlns:p="http://schemas.openxmlformats.org/presentationml/2006/main">
   <p:cSld>
     <p:spTree>
@@ -30871,6 +30654,1491 @@
   <p:clrMapOvr>
     <a:masterClrMapping/>
   </p:clrMapOvr>
+  <p:timing>
+    <p:tnLst>
+      <p:par>
+        <p:cTn id="1" dur="indefinite" restart="never" nodeType="tmRoot"/>
+      </p:par>
+    </p:tnLst>
+  </p:timing>
+</p:sld>
+</file>
+
+<file path=ppt/slides/slide58.xml><?xml version="1.0" encoding="utf-8"?>
+<p:sld xmlns:a="http://schemas.openxmlformats.org/drawingml/2006/main" xmlns:r="http://schemas.openxmlformats.org/officeDocument/2006/relationships" xmlns:p="http://schemas.openxmlformats.org/presentationml/2006/main">
+  <p:cSld>
+    <p:spTree>
+      <p:nvGrpSpPr>
+        <p:cNvPr id="1" name=""/>
+        <p:cNvGrpSpPr/>
+        <p:nvPr/>
+      </p:nvGrpSpPr>
+      <p:grpSpPr>
+        <a:xfrm>
+          <a:off x="0" y="0"/>
+          <a:ext cx="0" cy="0"/>
+          <a:chOff x="0" y="0"/>
+          <a:chExt cx="0" cy="0"/>
+        </a:xfrm>
+      </p:grpSpPr>
+      <p:sp>
+        <p:nvSpPr>
+          <p:cNvPr id="8" name="Rectangle 7"/>
+          <p:cNvSpPr/>
+          <p:nvPr/>
+        </p:nvSpPr>
+        <p:spPr>
+          <a:xfrm>
+            <a:off x="-2233486" y="708556"/>
+            <a:ext cx="8033657" cy="646331"/>
+          </a:xfrm>
+          <a:prstGeom prst="rect">
+            <a:avLst/>
+          </a:prstGeom>
+        </p:spPr>
+        <p:txBody>
+          <a:bodyPr wrap="square">
+            <a:spAutoFit/>
+          </a:bodyPr>
+          <a:lstStyle/>
+          <a:p>
+            <a:pPr marL="285750" indent="-285750">
+              <a:buFont typeface="Arial" panose="020B0604020202020204" pitchFamily="34" charset="0"/>
+              <a:buChar char="•"/>
+            </a:pPr>
+            <a:endParaRPr lang="fr-FR" dirty="0" smtClean="0">
+              <a:latin typeface="Verdana" panose="020B0604030504040204" pitchFamily="34" charset="0"/>
+              <a:ea typeface="Verdana" panose="020B0604030504040204" pitchFamily="34" charset="0"/>
+            </a:endParaRPr>
+          </a:p>
+          <a:p>
+            <a:pPr marL="285750" indent="-285750">
+              <a:buFont typeface="Arial" panose="020B0604020202020204" pitchFamily="34" charset="0"/>
+              <a:buChar char="•"/>
+            </a:pPr>
+            <a:endParaRPr lang="fr-BE" dirty="0">
+              <a:latin typeface="Verdana" panose="020B0604030504040204" pitchFamily="34" charset="0"/>
+              <a:ea typeface="Verdana" panose="020B0604030504040204" pitchFamily="34" charset="0"/>
+            </a:endParaRPr>
+          </a:p>
+        </p:txBody>
+      </p:sp>
+      <p:sp>
+        <p:nvSpPr>
+          <p:cNvPr id="4" name="Rectangle 3"/>
+          <p:cNvSpPr/>
+          <p:nvPr/>
+        </p:nvSpPr>
+        <p:spPr>
+          <a:xfrm>
+            <a:off x="555171" y="508502"/>
+            <a:ext cx="8033657" cy="523220"/>
+          </a:xfrm>
+          <a:prstGeom prst="rect">
+            <a:avLst/>
+          </a:prstGeom>
+        </p:spPr>
+        <p:txBody>
+          <a:bodyPr wrap="square">
+            <a:spAutoFit/>
+          </a:bodyPr>
+          <a:lstStyle/>
+          <a:p>
+            <a:r>
+              <a:rPr lang="fr-BE" sz="2800" b="1" dirty="0" smtClean="0">
+                <a:latin typeface="Verdana" panose="020B0604030504040204" pitchFamily="34" charset="0"/>
+                <a:ea typeface="Verdana" panose="020B0604030504040204" pitchFamily="34" charset="0"/>
+              </a:rPr>
+              <a:t>Challenges</a:t>
+            </a:r>
+          </a:p>
+        </p:txBody>
+      </p:sp>
+      <p:sp>
+        <p:nvSpPr>
+          <p:cNvPr id="6" name="ZoneTexte 5"/>
+          <p:cNvSpPr txBox="1"/>
+          <p:nvPr/>
+        </p:nvSpPr>
+        <p:spPr>
+          <a:xfrm>
+            <a:off x="555171" y="1160890"/>
+            <a:ext cx="7785756" cy="2585323"/>
+          </a:xfrm>
+          <a:prstGeom prst="rect">
+            <a:avLst/>
+          </a:prstGeom>
+          <a:noFill/>
+        </p:spPr>
+        <p:txBody>
+          <a:bodyPr wrap="square" rtlCol="0">
+            <a:spAutoFit/>
+          </a:bodyPr>
+          <a:lstStyle/>
+          <a:p>
+            <a:pPr marL="285750" indent="-285750">
+              <a:buFont typeface="Arial" panose="020B0604020202020204" pitchFamily="34" charset="0"/>
+              <a:buChar char="•"/>
+            </a:pPr>
+            <a:endParaRPr lang="fr-FR" dirty="0"/>
+          </a:p>
+          <a:p>
+            <a:pPr marL="285750" indent="-285750">
+              <a:buFont typeface="Arial" panose="020B0604020202020204" pitchFamily="34" charset="0"/>
+              <a:buChar char="•"/>
+            </a:pPr>
+            <a:endParaRPr lang="fr-FR" dirty="0"/>
+          </a:p>
+          <a:p>
+            <a:pPr marL="285750" indent="-285750">
+              <a:buFont typeface="Arial" panose="020B0604020202020204" pitchFamily="34" charset="0"/>
+              <a:buChar char="•"/>
+            </a:pPr>
+            <a:r>
+              <a:rPr lang="fr-FR" dirty="0" err="1" smtClean="0"/>
+              <a:t>Choice</a:t>
+            </a:r>
+            <a:r>
+              <a:rPr lang="fr-FR" dirty="0" smtClean="0"/>
+              <a:t> of code </a:t>
+            </a:r>
+            <a:r>
+              <a:rPr lang="fr-FR" dirty="0" err="1" smtClean="0"/>
+              <a:t>generated</a:t>
+            </a:r>
+            <a:r>
+              <a:rPr lang="fr-FR" dirty="0" smtClean="0"/>
+              <a:t> </a:t>
+            </a:r>
+            <a:r>
+              <a:rPr lang="fr-FR" dirty="0" err="1" smtClean="0"/>
+              <a:t>technology</a:t>
+            </a:r>
+            <a:r>
+              <a:rPr lang="fr-FR" dirty="0" smtClean="0"/>
+              <a:t>, java code </a:t>
+            </a:r>
+            <a:r>
+              <a:rPr lang="fr-FR" dirty="0" err="1" smtClean="0"/>
+              <a:t>access</a:t>
+            </a:r>
+            <a:r>
+              <a:rPr lang="fr-FR" dirty="0" smtClean="0"/>
+              <a:t> </a:t>
+            </a:r>
+            <a:r>
+              <a:rPr lang="fr-FR" dirty="0" err="1" smtClean="0"/>
+              <a:t>library</a:t>
+            </a:r>
+            <a:r>
+              <a:rPr lang="fr-FR" dirty="0" smtClean="0"/>
+              <a:t> or REST API,...?</a:t>
+            </a:r>
+          </a:p>
+          <a:p>
+            <a:pPr marL="742950" lvl="1" indent="-285750">
+              <a:buFont typeface="Arial" panose="020B0604020202020204" pitchFamily="34" charset="0"/>
+              <a:buChar char="•"/>
+            </a:pPr>
+            <a:r>
+              <a:rPr lang="fr-FR" dirty="0" err="1" smtClean="0"/>
+              <a:t>We</a:t>
+            </a:r>
+            <a:r>
+              <a:rPr lang="fr-FR" dirty="0" smtClean="0"/>
+              <a:t> </a:t>
+            </a:r>
+            <a:r>
+              <a:rPr lang="fr-FR" dirty="0" err="1" smtClean="0"/>
+              <a:t>will</a:t>
+            </a:r>
+            <a:r>
+              <a:rPr lang="fr-FR" dirty="0" smtClean="0"/>
+              <a:t> </a:t>
+            </a:r>
+            <a:r>
+              <a:rPr lang="fr-FR" dirty="0" err="1" smtClean="0"/>
+              <a:t>benefit</a:t>
+            </a:r>
+            <a:r>
+              <a:rPr lang="fr-FR" dirty="0" smtClean="0"/>
+              <a:t> </a:t>
+            </a:r>
+            <a:r>
+              <a:rPr lang="fr-FR" dirty="0" err="1" smtClean="0"/>
+              <a:t>from</a:t>
+            </a:r>
+            <a:r>
+              <a:rPr lang="fr-FR" dirty="0" smtClean="0"/>
+              <a:t> the </a:t>
+            </a:r>
+            <a:r>
+              <a:rPr lang="fr-FR" dirty="0" err="1" smtClean="0"/>
+              <a:t>numbers</a:t>
+            </a:r>
+            <a:r>
+              <a:rPr lang="fr-FR" dirty="0" smtClean="0"/>
+              <a:t> of </a:t>
+            </a:r>
+            <a:r>
+              <a:rPr lang="fr-FR" dirty="0" err="1" smtClean="0"/>
+              <a:t>our</a:t>
+            </a:r>
+            <a:r>
+              <a:rPr lang="fr-FR" dirty="0" smtClean="0"/>
+              <a:t> </a:t>
+            </a:r>
+            <a:r>
+              <a:rPr lang="fr-FR" dirty="0" err="1" smtClean="0"/>
+              <a:t>NoSQL</a:t>
+            </a:r>
+            <a:r>
+              <a:rPr lang="fr-FR" dirty="0" smtClean="0"/>
+              <a:t> </a:t>
+            </a:r>
+            <a:r>
+              <a:rPr lang="fr-FR" dirty="0" err="1" smtClean="0"/>
+              <a:t>analysis</a:t>
+            </a:r>
+            <a:r>
+              <a:rPr lang="fr-FR" dirty="0" smtClean="0"/>
+              <a:t> (Pol)</a:t>
+            </a:r>
+          </a:p>
+          <a:p>
+            <a:pPr marL="742950" lvl="1" indent="-285750">
+              <a:buFont typeface="Arial" panose="020B0604020202020204" pitchFamily="34" charset="0"/>
+              <a:buChar char="•"/>
+            </a:pPr>
+            <a:endParaRPr lang="fr-FR" dirty="0" smtClean="0"/>
+          </a:p>
+          <a:p>
+            <a:pPr marL="285750" indent="-285750">
+              <a:buFont typeface="Arial" panose="020B0604020202020204" pitchFamily="34" charset="0"/>
+              <a:buChar char="•"/>
+            </a:pPr>
+            <a:r>
+              <a:rPr lang="fr-FR" dirty="0" err="1" smtClean="0"/>
+              <a:t>Reconciliation</a:t>
+            </a:r>
+            <a:r>
+              <a:rPr lang="fr-FR" dirty="0" smtClean="0"/>
+              <a:t> of data on multiple </a:t>
+            </a:r>
+            <a:r>
+              <a:rPr lang="fr-FR" dirty="0" err="1" smtClean="0"/>
+              <a:t>database</a:t>
+            </a:r>
+            <a:r>
+              <a:rPr lang="fr-FR" dirty="0" smtClean="0"/>
+              <a:t> (</a:t>
+            </a:r>
+            <a:r>
+              <a:rPr lang="fr-FR" dirty="0" err="1" smtClean="0"/>
+              <a:t>identity</a:t>
+            </a:r>
+            <a:r>
+              <a:rPr lang="fr-FR" dirty="0" smtClean="0"/>
+              <a:t> </a:t>
+            </a:r>
+            <a:r>
+              <a:rPr lang="fr-FR" dirty="0" err="1" smtClean="0"/>
+              <a:t>merging</a:t>
+            </a:r>
+            <a:r>
+              <a:rPr lang="fr-FR" dirty="0" smtClean="0"/>
+              <a:t>) </a:t>
+            </a:r>
+          </a:p>
+          <a:p>
+            <a:pPr marL="285750" indent="-285750">
+              <a:buFont typeface="Arial" panose="020B0604020202020204" pitchFamily="34" charset="0"/>
+              <a:buChar char="•"/>
+            </a:pPr>
+            <a:r>
+              <a:rPr lang="fr-FR" dirty="0" err="1" smtClean="0"/>
+              <a:t>Big</a:t>
+            </a:r>
+            <a:r>
+              <a:rPr lang="fr-FR" dirty="0" smtClean="0"/>
+              <a:t> data aspect and </a:t>
+            </a:r>
+            <a:r>
+              <a:rPr lang="fr-FR" dirty="0" err="1" smtClean="0"/>
+              <a:t>scalability</a:t>
+            </a:r>
+            <a:endParaRPr lang="fr-FR" dirty="0" smtClean="0"/>
+          </a:p>
+          <a:p>
+            <a:pPr marL="285750" indent="-285750">
+              <a:buFont typeface="Arial" panose="020B0604020202020204" pitchFamily="34" charset="0"/>
+              <a:buChar char="•"/>
+            </a:pPr>
+            <a:r>
+              <a:rPr lang="fr-FR" dirty="0" err="1" smtClean="0"/>
+              <a:t>Integration</a:t>
+            </a:r>
+            <a:r>
+              <a:rPr lang="fr-FR" dirty="0" smtClean="0"/>
+              <a:t> of the </a:t>
+            </a:r>
+            <a:r>
+              <a:rPr lang="fr-FR" dirty="0" err="1" smtClean="0"/>
+              <a:t>different</a:t>
+            </a:r>
+            <a:r>
+              <a:rPr lang="fr-FR" dirty="0" smtClean="0"/>
+              <a:t> data migration </a:t>
+            </a:r>
+            <a:r>
+              <a:rPr lang="fr-FR" dirty="0" err="1" smtClean="0"/>
+              <a:t>strategies</a:t>
+            </a:r>
+            <a:endParaRPr lang="fr-FR" dirty="0" smtClean="0"/>
+          </a:p>
+          <a:p>
+            <a:pPr marL="285750" indent="-285750">
+              <a:buFont typeface="Arial" panose="020B0604020202020204" pitchFamily="34" charset="0"/>
+              <a:buChar char="•"/>
+            </a:pPr>
+            <a:r>
+              <a:rPr lang="fr-FR" dirty="0" smtClean="0"/>
+              <a:t>...</a:t>
+            </a:r>
+          </a:p>
+        </p:txBody>
+      </p:sp>
+      <p:sp>
+        <p:nvSpPr>
+          <p:cNvPr id="2" name="Espace réservé du numéro de diapositive 1"/>
+          <p:cNvSpPr>
+            <a:spLocks noGrp="1"/>
+          </p:cNvSpPr>
+          <p:nvPr>
+            <p:ph type="sldNum" sz="quarter" idx="12"/>
+          </p:nvPr>
+        </p:nvSpPr>
+        <p:spPr/>
+        <p:txBody>
+          <a:bodyPr/>
+          <a:lstStyle/>
+          <a:p>
+            <a:pPr>
+              <a:defRPr/>
+            </a:pPr>
+            <a:endParaRPr lang="en-US"/>
+          </a:p>
+        </p:txBody>
+      </p:sp>
+    </p:spTree>
+    <p:extLst>
+      <p:ext uri="{BB962C8B-B14F-4D97-AF65-F5344CB8AC3E}">
+        <p14:creationId xmlns:p14="http://schemas.microsoft.com/office/powerpoint/2010/main" val="645121021"/>
+      </p:ext>
+    </p:extLst>
+  </p:cSld>
+  <p:clrMapOvr>
+    <a:masterClrMapping/>
+  </p:clrMapOvr>
+  <mc:AlternateContent xmlns:mc="http://schemas.openxmlformats.org/markup-compatibility/2006">
+    <mc:Choice xmlns:p14="http://schemas.microsoft.com/office/powerpoint/2010/main" Requires="p14">
+      <p:transition spd="slow" p14:dur="2000"/>
+    </mc:Choice>
+    <mc:Fallback>
+      <p:transition spd="slow"/>
+    </mc:Fallback>
+  </mc:AlternateContent>
+  <p:timing>
+    <p:tnLst>
+      <p:par>
+        <p:cTn id="1" dur="indefinite" restart="never" nodeType="tmRoot"/>
+      </p:par>
+    </p:tnLst>
+  </p:timing>
+</p:sld>
+</file>
+
+<file path=ppt/slides/slide59.xml><?xml version="1.0" encoding="utf-8"?>
+<p:sld xmlns:a="http://schemas.openxmlformats.org/drawingml/2006/main" xmlns:r="http://schemas.openxmlformats.org/officeDocument/2006/relationships" xmlns:p="http://schemas.openxmlformats.org/presentationml/2006/main" show="0">
+  <p:cSld>
+    <p:spTree>
+      <p:nvGrpSpPr>
+        <p:cNvPr id="1" name=""/>
+        <p:cNvGrpSpPr/>
+        <p:nvPr/>
+      </p:nvGrpSpPr>
+      <p:grpSpPr>
+        <a:xfrm>
+          <a:off x="0" y="0"/>
+          <a:ext cx="0" cy="0"/>
+          <a:chOff x="0" y="0"/>
+          <a:chExt cx="0" cy="0"/>
+        </a:xfrm>
+      </p:grpSpPr>
+      <p:sp>
+        <p:nvSpPr>
+          <p:cNvPr id="4" name="Rectangle 3"/>
+          <p:cNvSpPr/>
+          <p:nvPr/>
+        </p:nvSpPr>
+        <p:spPr>
+          <a:xfrm>
+            <a:off x="555171" y="508502"/>
+            <a:ext cx="8033657" cy="523220"/>
+          </a:xfrm>
+          <a:prstGeom prst="rect">
+            <a:avLst/>
+          </a:prstGeom>
+        </p:spPr>
+        <p:txBody>
+          <a:bodyPr wrap="square">
+            <a:spAutoFit/>
+          </a:bodyPr>
+          <a:lstStyle/>
+          <a:p>
+            <a:r>
+              <a:rPr lang="fr-BE" sz="2800" b="1" dirty="0" smtClean="0">
+                <a:latin typeface="Verdana" panose="020B0604030504040204" pitchFamily="34" charset="0"/>
+                <a:ea typeface="Verdana" panose="020B0604030504040204" pitchFamily="34" charset="0"/>
+              </a:rPr>
+              <a:t>Evolution </a:t>
+            </a:r>
+            <a:r>
+              <a:rPr lang="fr-BE" sz="2800" b="1" dirty="0" err="1" smtClean="0">
+                <a:latin typeface="Verdana" panose="020B0604030504040204" pitchFamily="34" charset="0"/>
+                <a:ea typeface="Verdana" panose="020B0604030504040204" pitchFamily="34" charset="0"/>
+              </a:rPr>
+              <a:t>Operators</a:t>
+            </a:r>
+            <a:endParaRPr lang="fr-BE" sz="2800" b="1" dirty="0" smtClean="0">
+              <a:latin typeface="Verdana" panose="020B0604030504040204" pitchFamily="34" charset="0"/>
+              <a:ea typeface="Verdana" panose="020B0604030504040204" pitchFamily="34" charset="0"/>
+            </a:endParaRPr>
+          </a:p>
+        </p:txBody>
+      </p:sp>
+      <p:sp>
+        <p:nvSpPr>
+          <p:cNvPr id="10" name="Espace réservé du numéro de diapositive 9"/>
+          <p:cNvSpPr>
+            <a:spLocks noGrp="1"/>
+          </p:cNvSpPr>
+          <p:nvPr>
+            <p:ph type="sldNum" sz="quarter" idx="12"/>
+          </p:nvPr>
+        </p:nvSpPr>
+        <p:spPr/>
+        <p:txBody>
+          <a:bodyPr/>
+          <a:lstStyle/>
+          <a:p>
+            <a:pPr>
+              <a:defRPr/>
+            </a:pPr>
+            <a:endParaRPr lang="en-US" dirty="0"/>
+          </a:p>
+        </p:txBody>
+      </p:sp>
+      <p:graphicFrame>
+        <p:nvGraphicFramePr>
+          <p:cNvPr id="3" name="Tableau 2"/>
+          <p:cNvGraphicFramePr>
+            <a:graphicFrameLocks noGrp="1"/>
+          </p:cNvGraphicFramePr>
+          <p:nvPr/>
+        </p:nvGraphicFramePr>
+        <p:xfrm>
+          <a:off x="575999" y="1306565"/>
+          <a:ext cx="8114330" cy="2143760"/>
+        </p:xfrm>
+        <a:graphic>
+          <a:graphicData uri="http://schemas.openxmlformats.org/drawingml/2006/table">
+            <a:tbl>
+              <a:tblPr firstRow="1" bandRow="1">
+                <a:tableStyleId>{D7AC3CCA-C797-4891-BE02-D94E43425B78}</a:tableStyleId>
+              </a:tblPr>
+              <a:tblGrid>
+                <a:gridCol w="1141714">
+                  <a:extLst>
+                    <a:ext uri="{9D8B030D-6E8A-4147-A177-3AD203B41FA5}">
+                      <a16:colId xmlns:a16="http://schemas.microsoft.com/office/drawing/2014/main" val="34063760"/>
+                    </a:ext>
+                  </a:extLst>
+                </a:gridCol>
+                <a:gridCol w="1141714">
+                  <a:extLst>
+                    <a:ext uri="{9D8B030D-6E8A-4147-A177-3AD203B41FA5}">
+                      <a16:colId xmlns:a16="http://schemas.microsoft.com/office/drawing/2014/main" val="3136364125"/>
+                    </a:ext>
+                  </a:extLst>
+                </a:gridCol>
+                <a:gridCol w="1810830">
+                  <a:extLst>
+                    <a:ext uri="{9D8B030D-6E8A-4147-A177-3AD203B41FA5}">
+                      <a16:colId xmlns:a16="http://schemas.microsoft.com/office/drawing/2014/main" val="4223793037"/>
+                    </a:ext>
+                  </a:extLst>
+                </a:gridCol>
+                <a:gridCol w="1029746">
+                  <a:extLst>
+                    <a:ext uri="{9D8B030D-6E8A-4147-A177-3AD203B41FA5}">
+                      <a16:colId xmlns:a16="http://schemas.microsoft.com/office/drawing/2014/main" val="3594092669"/>
+                    </a:ext>
+                  </a:extLst>
+                </a:gridCol>
+                <a:gridCol w="1141714">
+                  <a:extLst>
+                    <a:ext uri="{9D8B030D-6E8A-4147-A177-3AD203B41FA5}">
+                      <a16:colId xmlns:a16="http://schemas.microsoft.com/office/drawing/2014/main" val="3126583975"/>
+                    </a:ext>
+                  </a:extLst>
+                </a:gridCol>
+                <a:gridCol w="1848612">
+                  <a:extLst>
+                    <a:ext uri="{9D8B030D-6E8A-4147-A177-3AD203B41FA5}">
+                      <a16:colId xmlns:a16="http://schemas.microsoft.com/office/drawing/2014/main" val="133070581"/>
+                    </a:ext>
+                  </a:extLst>
+                </a:gridCol>
+              </a:tblGrid>
+              <a:tr h="370840">
+                <a:tc>
+                  <a:txBody>
+                    <a:bodyPr/>
+                    <a:lstStyle/>
+                    <a:p>
+                      <a:r>
+                        <a:rPr lang="fr-FR" sz="1600" b="1" dirty="0" smtClean="0"/>
+                        <a:t>Model</a:t>
+                      </a:r>
+                      <a:r>
+                        <a:rPr lang="fr-FR" sz="1600" b="1" baseline="0" dirty="0" smtClean="0"/>
+                        <a:t> Object</a:t>
+                      </a:r>
+                      <a:endParaRPr lang="fr-BE" sz="1600" b="1" dirty="0"/>
+                    </a:p>
+                  </a:txBody>
+                  <a:tcPr/>
+                </a:tc>
+                <a:tc>
+                  <a:txBody>
+                    <a:bodyPr/>
+                    <a:lstStyle/>
+                    <a:p>
+                      <a:r>
+                        <a:rPr lang="fr-FR" sz="1600" dirty="0" err="1" smtClean="0"/>
+                        <a:t>Operator</a:t>
+                      </a:r>
+                      <a:endParaRPr lang="fr-BE" sz="1600" dirty="0"/>
+                    </a:p>
+                  </a:txBody>
+                  <a:tcPr/>
+                </a:tc>
+                <a:tc>
+                  <a:txBody>
+                    <a:bodyPr/>
+                    <a:lstStyle/>
+                    <a:p>
+                      <a:r>
+                        <a:rPr lang="fr-FR" sz="1600" dirty="0" err="1" smtClean="0"/>
+                        <a:t>Conceptual</a:t>
+                      </a:r>
+                      <a:r>
+                        <a:rPr lang="fr-FR" sz="1600" dirty="0" smtClean="0"/>
+                        <a:t> Impact</a:t>
+                      </a:r>
+                      <a:endParaRPr lang="fr-BE" sz="1600" dirty="0"/>
+                    </a:p>
+                  </a:txBody>
+                  <a:tcPr/>
+                </a:tc>
+                <a:tc>
+                  <a:txBody>
+                    <a:bodyPr/>
+                    <a:lstStyle/>
+                    <a:p>
+                      <a:r>
+                        <a:rPr lang="fr-FR" sz="1600" dirty="0" smtClean="0"/>
+                        <a:t>Physical </a:t>
+                      </a:r>
+                      <a:r>
+                        <a:rPr lang="fr-FR" sz="1600" dirty="0" err="1" smtClean="0"/>
+                        <a:t>Schema</a:t>
+                      </a:r>
+                      <a:r>
+                        <a:rPr lang="fr-FR" sz="1600" dirty="0" smtClean="0"/>
+                        <a:t> Impact</a:t>
+                      </a:r>
+                      <a:endParaRPr lang="fr-BE" sz="1600" dirty="0"/>
+                    </a:p>
+                  </a:txBody>
+                  <a:tcPr/>
+                </a:tc>
+                <a:tc>
+                  <a:txBody>
+                    <a:bodyPr/>
+                    <a:lstStyle/>
+                    <a:p>
+                      <a:r>
+                        <a:rPr lang="fr-FR" sz="1600" dirty="0" smtClean="0"/>
+                        <a:t>Data</a:t>
+                      </a:r>
+                      <a:r>
+                        <a:rPr lang="fr-FR" sz="1600" baseline="0" dirty="0" smtClean="0"/>
+                        <a:t> Impact</a:t>
+                      </a:r>
+                      <a:endParaRPr lang="fr-BE" sz="1600" dirty="0"/>
+                    </a:p>
+                  </a:txBody>
+                  <a:tcPr/>
+                </a:tc>
+                <a:tc>
+                  <a:txBody>
+                    <a:bodyPr/>
+                    <a:lstStyle/>
+                    <a:p>
+                      <a:r>
+                        <a:rPr lang="fr-FR" sz="1600" dirty="0" err="1" smtClean="0"/>
+                        <a:t>Queries</a:t>
+                      </a:r>
+                      <a:r>
+                        <a:rPr lang="fr-FR" sz="1600" dirty="0" smtClean="0"/>
+                        <a:t> Impact</a:t>
+                      </a:r>
+                      <a:endParaRPr lang="fr-BE" sz="1600" dirty="0"/>
+                    </a:p>
+                  </a:txBody>
+                  <a:tcPr/>
+                </a:tc>
+                <a:extLst>
+                  <a:ext uri="{0D108BD9-81ED-4DB2-BD59-A6C34878D82A}">
+                    <a16:rowId xmlns:a16="http://schemas.microsoft.com/office/drawing/2014/main" val="199108161"/>
+                  </a:ext>
+                </a:extLst>
+              </a:tr>
+              <a:tr h="370840">
+                <a:tc>
+                  <a:txBody>
+                    <a:bodyPr/>
+                    <a:lstStyle/>
+                    <a:p>
+                      <a:r>
+                        <a:rPr lang="fr-FR" sz="1600" dirty="0" err="1" smtClean="0"/>
+                        <a:t>Entity</a:t>
+                      </a:r>
+                      <a:r>
+                        <a:rPr lang="fr-FR" sz="1600" dirty="0" smtClean="0"/>
+                        <a:t> Type</a:t>
+                      </a:r>
+                      <a:endParaRPr lang="fr-BE" sz="1600" dirty="0"/>
+                    </a:p>
+                  </a:txBody>
+                  <a:tcPr/>
+                </a:tc>
+                <a:tc>
+                  <a:txBody>
+                    <a:bodyPr/>
+                    <a:lstStyle/>
+                    <a:p>
+                      <a:r>
+                        <a:rPr lang="fr-FR" sz="1600" dirty="0" err="1" smtClean="0"/>
+                        <a:t>Add</a:t>
+                      </a:r>
+                      <a:endParaRPr lang="fr-BE" sz="1600" dirty="0"/>
+                    </a:p>
+                  </a:txBody>
+                  <a:tcPr/>
+                </a:tc>
+                <a:tc>
+                  <a:txBody>
+                    <a:bodyPr/>
+                    <a:lstStyle/>
+                    <a:p>
+                      <a:r>
+                        <a:rPr lang="fr-FR" sz="1600" dirty="0" err="1" smtClean="0"/>
+                        <a:t>addEntity</a:t>
+                      </a:r>
+                      <a:r>
+                        <a:rPr lang="fr-FR" sz="1600" dirty="0" smtClean="0"/>
+                        <a:t>(...)</a:t>
+                      </a:r>
+                      <a:endParaRPr lang="fr-BE" sz="1600" dirty="0"/>
+                    </a:p>
+                  </a:txBody>
+                  <a:tcPr/>
+                </a:tc>
+                <a:tc>
+                  <a:txBody>
+                    <a:bodyPr/>
+                    <a:lstStyle/>
+                    <a:p>
+                      <a:r>
+                        <a:rPr lang="fr-FR" sz="1600" b="1" baseline="0" dirty="0" err="1" smtClean="0">
+                          <a:solidFill>
+                            <a:schemeClr val="accent2"/>
+                          </a:solidFill>
+                        </a:rPr>
+                        <a:t>A</a:t>
+                      </a:r>
+                      <a:r>
+                        <a:rPr lang="fr-FR" sz="1600" b="1" baseline="-25000" dirty="0" err="1" smtClean="0">
+                          <a:solidFill>
+                            <a:schemeClr val="accent2"/>
+                          </a:solidFill>
+                        </a:rPr>
+                        <a:t>rel</a:t>
+                      </a:r>
+                      <a:r>
+                        <a:rPr lang="fr-FR" sz="1600" dirty="0" smtClean="0"/>
+                        <a:t> </a:t>
+                      </a:r>
+                      <a:r>
+                        <a:rPr lang="fr-FR" sz="1600" b="1" dirty="0" err="1" smtClean="0">
+                          <a:solidFill>
+                            <a:srgbClr val="C00000"/>
+                          </a:solidFill>
+                        </a:rPr>
+                        <a:t>A</a:t>
+                      </a:r>
+                      <a:r>
+                        <a:rPr lang="fr-FR" sz="1600" b="1" baseline="-25000" dirty="0" err="1" smtClean="0">
+                          <a:solidFill>
+                            <a:srgbClr val="C00000"/>
+                          </a:solidFill>
+                        </a:rPr>
+                        <a:t>doc</a:t>
+                      </a:r>
+                      <a:endParaRPr lang="fr-BE" sz="1600" b="1" baseline="-25000" dirty="0">
+                        <a:solidFill>
+                          <a:srgbClr val="C00000"/>
+                        </a:solidFill>
+                      </a:endParaRPr>
+                    </a:p>
+                  </a:txBody>
+                  <a:tcPr/>
+                </a:tc>
+                <a:tc>
+                  <a:txBody>
+                    <a:bodyPr/>
+                    <a:lstStyle/>
+                    <a:p>
+                      <a:r>
+                        <a:rPr lang="fr-FR" sz="1600" dirty="0" smtClean="0"/>
+                        <a:t>-</a:t>
+                      </a:r>
+                      <a:endParaRPr lang="fr-BE" sz="1600" dirty="0"/>
+                    </a:p>
+                  </a:txBody>
+                  <a:tcPr/>
+                </a:tc>
+                <a:tc>
+                  <a:txBody>
+                    <a:bodyPr/>
+                    <a:lstStyle/>
+                    <a:p>
+                      <a:r>
+                        <a:rPr lang="fr-FR" sz="1600" dirty="0" smtClean="0"/>
+                        <a:t>-</a:t>
+                      </a:r>
+                      <a:endParaRPr lang="fr-BE" sz="1600" dirty="0"/>
+                    </a:p>
+                  </a:txBody>
+                  <a:tcPr/>
+                </a:tc>
+                <a:extLst>
+                  <a:ext uri="{0D108BD9-81ED-4DB2-BD59-A6C34878D82A}">
+                    <a16:rowId xmlns:a16="http://schemas.microsoft.com/office/drawing/2014/main" val="3395581298"/>
+                  </a:ext>
+                </a:extLst>
+              </a:tr>
+              <a:tr h="370840">
+                <a:tc>
+                  <a:txBody>
+                    <a:bodyPr/>
+                    <a:lstStyle/>
+                    <a:p>
+                      <a:r>
+                        <a:rPr lang="fr-FR" sz="1600" dirty="0" err="1" smtClean="0"/>
+                        <a:t>Attribute</a:t>
+                      </a:r>
+                      <a:endParaRPr lang="fr-BE" sz="1600" dirty="0"/>
+                    </a:p>
+                  </a:txBody>
+                  <a:tcPr/>
+                </a:tc>
+                <a:tc>
+                  <a:txBody>
+                    <a:bodyPr/>
+                    <a:lstStyle/>
+                    <a:p>
+                      <a:r>
+                        <a:rPr lang="fr-FR" sz="1600" dirty="0" err="1" smtClean="0"/>
+                        <a:t>Rename</a:t>
+                      </a:r>
+                      <a:endParaRPr lang="fr-BE" sz="1600" dirty="0"/>
+                    </a:p>
+                  </a:txBody>
+                  <a:tcPr/>
+                </a:tc>
+                <a:tc>
+                  <a:txBody>
+                    <a:bodyPr/>
+                    <a:lstStyle/>
+                    <a:p>
+                      <a:r>
+                        <a:rPr lang="fr-FR" sz="1600" dirty="0" err="1" smtClean="0"/>
+                        <a:t>renameAtt</a:t>
+                      </a:r>
+                      <a:r>
+                        <a:rPr lang="fr-FR" sz="1600" dirty="0" smtClean="0"/>
+                        <a:t>(...)</a:t>
+                      </a:r>
+                      <a:endParaRPr lang="fr-BE" sz="1600" dirty="0"/>
+                    </a:p>
+                  </a:txBody>
+                  <a:tcPr/>
+                </a:tc>
+                <a:tc>
+                  <a:txBody>
+                    <a:bodyPr/>
+                    <a:lstStyle/>
+                    <a:p>
+                      <a:r>
+                        <a:rPr lang="fr-FR" sz="1600" b="1" baseline="0" dirty="0" err="1" smtClean="0">
+                          <a:solidFill>
+                            <a:srgbClr val="55AB26"/>
+                          </a:solidFill>
+                        </a:rPr>
+                        <a:t>U</a:t>
+                      </a:r>
+                      <a:r>
+                        <a:rPr lang="fr-FR" sz="1600" b="1" baseline="-25000" dirty="0" err="1" smtClean="0">
+                          <a:solidFill>
+                            <a:srgbClr val="55AB26"/>
+                          </a:solidFill>
+                        </a:rPr>
+                        <a:t>rel</a:t>
+                      </a:r>
+                      <a:r>
+                        <a:rPr lang="fr-FR" sz="1600" b="0" baseline="0" dirty="0" smtClean="0">
+                          <a:solidFill>
+                            <a:schemeClr val="tx1"/>
+                          </a:solidFill>
+                        </a:rPr>
+                        <a:t> </a:t>
+                      </a:r>
+                      <a:r>
+                        <a:rPr lang="fr-FR" sz="1600" b="1" baseline="0" dirty="0" err="1" smtClean="0">
+                          <a:solidFill>
+                            <a:srgbClr val="55AB26"/>
+                          </a:solidFill>
+                        </a:rPr>
+                        <a:t>U</a:t>
+                      </a:r>
+                      <a:r>
+                        <a:rPr lang="fr-FR" sz="1600" b="1" baseline="-25000" dirty="0" err="1" smtClean="0">
+                          <a:solidFill>
+                            <a:srgbClr val="55AB26"/>
+                          </a:solidFill>
+                        </a:rPr>
+                        <a:t>col</a:t>
+                      </a:r>
+                      <a:endParaRPr lang="fr-BE" sz="1600" b="1" baseline="-25000" dirty="0">
+                        <a:solidFill>
+                          <a:srgbClr val="55AB26"/>
+                        </a:solidFill>
+                      </a:endParaRPr>
+                    </a:p>
+                  </a:txBody>
+                  <a:tcPr/>
+                </a:tc>
+                <a:tc>
+                  <a:txBody>
+                    <a:bodyPr/>
+                    <a:lstStyle/>
+                    <a:p>
+                      <a:r>
+                        <a:rPr lang="fr-FR" sz="1600" b="1" dirty="0" err="1" smtClean="0">
+                          <a:solidFill>
+                            <a:srgbClr val="55AB26"/>
+                          </a:solidFill>
+                        </a:rPr>
+                        <a:t>UD</a:t>
+                      </a:r>
+                      <a:r>
+                        <a:rPr lang="fr-FR" sz="1600" b="1" baseline="-25000" dirty="0" err="1" smtClean="0">
+                          <a:solidFill>
+                            <a:srgbClr val="55AB26"/>
+                          </a:solidFill>
+                        </a:rPr>
+                        <a:t>doc</a:t>
+                      </a:r>
+                      <a:r>
+                        <a:rPr lang="fr-FR" sz="1600" b="1" baseline="-25000" dirty="0" smtClean="0">
+                          <a:solidFill>
+                            <a:srgbClr val="55AB26"/>
+                          </a:solidFill>
+                        </a:rPr>
+                        <a:t> </a:t>
+                      </a:r>
+                      <a:r>
+                        <a:rPr lang="fr-FR" sz="1600" b="1" baseline="0" dirty="0" err="1" smtClean="0">
+                          <a:solidFill>
+                            <a:srgbClr val="55AB26"/>
+                          </a:solidFill>
+                        </a:rPr>
+                        <a:t>UD</a:t>
+                      </a:r>
+                      <a:r>
+                        <a:rPr lang="fr-FR" sz="1600" b="1" baseline="-25000" dirty="0" err="1" smtClean="0">
+                          <a:solidFill>
+                            <a:srgbClr val="55AB26"/>
+                          </a:solidFill>
+                        </a:rPr>
+                        <a:t>key</a:t>
+                      </a:r>
+                      <a:r>
+                        <a:rPr lang="fr-FR" sz="1600" b="1" baseline="0" dirty="0" smtClean="0">
+                          <a:solidFill>
+                            <a:srgbClr val="55AB26"/>
+                          </a:solidFill>
+                        </a:rPr>
+                        <a:t> </a:t>
+                      </a:r>
+                      <a:r>
+                        <a:rPr lang="fr-FR" sz="1600" b="1" baseline="0" dirty="0" err="1" smtClean="0">
+                          <a:solidFill>
+                            <a:srgbClr val="55AB26"/>
+                          </a:solidFill>
+                        </a:rPr>
+                        <a:t>UD</a:t>
+                      </a:r>
+                      <a:r>
+                        <a:rPr lang="fr-FR" sz="1600" b="1" baseline="-25000" dirty="0" err="1" smtClean="0">
+                          <a:solidFill>
+                            <a:srgbClr val="55AB26"/>
+                          </a:solidFill>
+                        </a:rPr>
+                        <a:t>graph</a:t>
+                      </a:r>
+                      <a:endParaRPr lang="fr-BE" sz="1600" b="1" baseline="-25000" dirty="0">
+                        <a:solidFill>
+                          <a:srgbClr val="55AB26"/>
+                        </a:solidFill>
+                      </a:endParaRPr>
+                    </a:p>
+                  </a:txBody>
+                  <a:tcPr/>
+                </a:tc>
+                <a:tc>
+                  <a:txBody>
+                    <a:bodyPr/>
+                    <a:lstStyle/>
+                    <a:p>
+                      <a:r>
+                        <a:rPr lang="fr-FR" sz="1600" dirty="0" err="1" smtClean="0"/>
+                        <a:t>renameAtt</a:t>
+                      </a:r>
+                      <a:r>
+                        <a:rPr lang="fr-FR" sz="1600" dirty="0" smtClean="0"/>
+                        <a:t>(</a:t>
+                      </a:r>
+                      <a:r>
+                        <a:rPr lang="fr-FR" sz="1600" dirty="0" err="1" smtClean="0"/>
+                        <a:t>queries</a:t>
+                      </a:r>
+                      <a:r>
+                        <a:rPr lang="fr-FR" sz="1600" dirty="0" smtClean="0"/>
+                        <a:t>)</a:t>
+                      </a:r>
+                      <a:endParaRPr lang="fr-BE" sz="1600" dirty="0"/>
+                    </a:p>
+                  </a:txBody>
+                  <a:tcPr/>
+                </a:tc>
+                <a:extLst>
+                  <a:ext uri="{0D108BD9-81ED-4DB2-BD59-A6C34878D82A}">
+                    <a16:rowId xmlns:a16="http://schemas.microsoft.com/office/drawing/2014/main" val="1017023255"/>
+                  </a:ext>
+                </a:extLst>
+              </a:tr>
+              <a:tr h="370840">
+                <a:tc>
+                  <a:txBody>
+                    <a:bodyPr/>
+                    <a:lstStyle/>
+                    <a:p>
+                      <a:r>
+                        <a:rPr lang="fr-FR" sz="1600" dirty="0" smtClean="0"/>
+                        <a:t>...</a:t>
+                      </a:r>
+                      <a:endParaRPr lang="fr-BE" sz="1600" dirty="0"/>
+                    </a:p>
+                  </a:txBody>
+                  <a:tcPr/>
+                </a:tc>
+                <a:tc>
+                  <a:txBody>
+                    <a:bodyPr/>
+                    <a:lstStyle/>
+                    <a:p>
+                      <a:endParaRPr lang="fr-BE" sz="1600" dirty="0"/>
+                    </a:p>
+                  </a:txBody>
+                  <a:tcPr/>
+                </a:tc>
+                <a:tc>
+                  <a:txBody>
+                    <a:bodyPr/>
+                    <a:lstStyle/>
+                    <a:p>
+                      <a:endParaRPr lang="fr-BE" sz="1600" dirty="0"/>
+                    </a:p>
+                  </a:txBody>
+                  <a:tcPr/>
+                </a:tc>
+                <a:tc>
+                  <a:txBody>
+                    <a:bodyPr/>
+                    <a:lstStyle/>
+                    <a:p>
+                      <a:endParaRPr lang="fr-BE" sz="1600" b="1" baseline="-25000" dirty="0">
+                        <a:solidFill>
+                          <a:srgbClr val="55AB26"/>
+                        </a:solidFill>
+                      </a:endParaRPr>
+                    </a:p>
+                  </a:txBody>
+                  <a:tcPr/>
+                </a:tc>
+                <a:tc>
+                  <a:txBody>
+                    <a:bodyPr/>
+                    <a:lstStyle/>
+                    <a:p>
+                      <a:endParaRPr lang="fr-BE" sz="1600" b="1" baseline="-25000" dirty="0">
+                        <a:solidFill>
+                          <a:srgbClr val="55AB26"/>
+                        </a:solidFill>
+                      </a:endParaRPr>
+                    </a:p>
+                  </a:txBody>
+                  <a:tcPr/>
+                </a:tc>
+                <a:tc>
+                  <a:txBody>
+                    <a:bodyPr/>
+                    <a:lstStyle/>
+                    <a:p>
+                      <a:endParaRPr lang="fr-BE" sz="1600" dirty="0"/>
+                    </a:p>
+                  </a:txBody>
+                  <a:tcPr/>
+                </a:tc>
+                <a:extLst>
+                  <a:ext uri="{0D108BD9-81ED-4DB2-BD59-A6C34878D82A}">
+                    <a16:rowId xmlns:a16="http://schemas.microsoft.com/office/drawing/2014/main" val="3476280349"/>
+                  </a:ext>
+                </a:extLst>
+              </a:tr>
+            </a:tbl>
+          </a:graphicData>
+        </a:graphic>
+      </p:graphicFrame>
+      <p:sp>
+        <p:nvSpPr>
+          <p:cNvPr id="5" name="ZoneTexte 4"/>
+          <p:cNvSpPr txBox="1"/>
+          <p:nvPr/>
+        </p:nvSpPr>
+        <p:spPr>
+          <a:xfrm>
+            <a:off x="575999" y="3466681"/>
+            <a:ext cx="7992000" cy="646331"/>
+          </a:xfrm>
+          <a:prstGeom prst="rect">
+            <a:avLst/>
+          </a:prstGeom>
+          <a:noFill/>
+        </p:spPr>
+        <p:txBody>
+          <a:bodyPr wrap="square" rtlCol="0">
+            <a:spAutoFit/>
+          </a:bodyPr>
+          <a:lstStyle/>
+          <a:p>
+            <a:r>
+              <a:rPr lang="fr-FR" b="1" dirty="0" err="1" smtClean="0">
+                <a:solidFill>
+                  <a:schemeClr val="accent2"/>
+                </a:solidFill>
+              </a:rPr>
+              <a:t>A</a:t>
+            </a:r>
+            <a:r>
+              <a:rPr lang="fr-FR" b="1" baseline="-25000" dirty="0" err="1">
+                <a:solidFill>
+                  <a:schemeClr val="accent2"/>
+                </a:solidFill>
+              </a:rPr>
+              <a:t>r</a:t>
+            </a:r>
+            <a:r>
+              <a:rPr lang="fr-FR" b="1" baseline="-25000" dirty="0" err="1" smtClean="0">
+                <a:solidFill>
+                  <a:schemeClr val="accent2"/>
+                </a:solidFill>
+              </a:rPr>
+              <a:t>el</a:t>
+            </a:r>
+            <a:r>
+              <a:rPr lang="fr-FR" b="1" baseline="-25000" dirty="0" smtClean="0">
+                <a:solidFill>
+                  <a:schemeClr val="accent2"/>
+                </a:solidFill>
+              </a:rPr>
+              <a:t> </a:t>
+            </a:r>
+            <a:r>
+              <a:rPr lang="fr-FR" b="1" dirty="0" smtClean="0"/>
+              <a:t> </a:t>
+            </a:r>
+            <a:r>
+              <a:rPr lang="fr-FR" dirty="0" err="1" smtClean="0"/>
+              <a:t>Execute</a:t>
+            </a:r>
+            <a:r>
+              <a:rPr lang="fr-FR" dirty="0" smtClean="0"/>
+              <a:t> SQL </a:t>
+            </a:r>
+            <a:r>
+              <a:rPr lang="fr-FR" dirty="0" err="1" smtClean="0"/>
+              <a:t>Create</a:t>
+            </a:r>
+            <a:r>
+              <a:rPr lang="fr-FR" dirty="0" smtClean="0"/>
+              <a:t> table </a:t>
+            </a:r>
+            <a:r>
+              <a:rPr lang="fr-FR" dirty="0" err="1" smtClean="0"/>
+              <a:t>statement</a:t>
+            </a:r>
+            <a:endParaRPr lang="fr-FR" dirty="0" smtClean="0"/>
+          </a:p>
+          <a:p>
+            <a:r>
+              <a:rPr lang="fr-FR" b="1" dirty="0" err="1">
+                <a:solidFill>
+                  <a:schemeClr val="accent2"/>
+                </a:solidFill>
+              </a:rPr>
+              <a:t>A</a:t>
+            </a:r>
+            <a:r>
+              <a:rPr lang="fr-FR" b="1" baseline="-25000" dirty="0" err="1" smtClean="0">
+                <a:solidFill>
+                  <a:schemeClr val="accent2"/>
+                </a:solidFill>
+              </a:rPr>
+              <a:t>doc</a:t>
+            </a:r>
+            <a:r>
+              <a:rPr lang="fr-FR" b="1" baseline="-25000" dirty="0" smtClean="0">
+                <a:solidFill>
+                  <a:schemeClr val="accent2"/>
+                </a:solidFill>
+              </a:rPr>
+              <a:t> </a:t>
+            </a:r>
+            <a:r>
+              <a:rPr lang="fr-FR" dirty="0" err="1" smtClean="0"/>
+              <a:t>Execute</a:t>
+            </a:r>
+            <a:r>
+              <a:rPr lang="fr-FR" dirty="0" smtClean="0"/>
+              <a:t> </a:t>
+            </a:r>
+            <a:r>
+              <a:rPr lang="fr-FR" dirty="0" err="1" smtClean="0"/>
+              <a:t>Create</a:t>
+            </a:r>
+            <a:r>
+              <a:rPr lang="fr-FR" dirty="0" smtClean="0"/>
+              <a:t> collection </a:t>
+            </a:r>
+            <a:r>
+              <a:rPr lang="fr-FR" dirty="0" err="1" smtClean="0"/>
+              <a:t>statement</a:t>
+            </a:r>
+            <a:endParaRPr lang="fr-BE" dirty="0"/>
+          </a:p>
+        </p:txBody>
+      </p:sp>
+      <p:sp>
+        <p:nvSpPr>
+          <p:cNvPr id="12" name="ZoneTexte 11"/>
+          <p:cNvSpPr txBox="1"/>
+          <p:nvPr/>
+        </p:nvSpPr>
+        <p:spPr>
+          <a:xfrm>
+            <a:off x="555171" y="4234788"/>
+            <a:ext cx="7992000" cy="2031325"/>
+          </a:xfrm>
+          <a:prstGeom prst="rect">
+            <a:avLst/>
+          </a:prstGeom>
+          <a:noFill/>
+        </p:spPr>
+        <p:txBody>
+          <a:bodyPr wrap="square" rtlCol="0">
+            <a:spAutoFit/>
+          </a:bodyPr>
+          <a:lstStyle/>
+          <a:p>
+            <a:r>
+              <a:rPr lang="fr-FR" b="1" dirty="0" err="1">
+                <a:solidFill>
+                  <a:srgbClr val="55AB26"/>
+                </a:solidFill>
+              </a:rPr>
+              <a:t>U</a:t>
+            </a:r>
+            <a:r>
+              <a:rPr lang="fr-FR" b="1" baseline="-25000" dirty="0" err="1">
+                <a:solidFill>
+                  <a:srgbClr val="55AB26"/>
+                </a:solidFill>
+              </a:rPr>
+              <a:t>rel</a:t>
+            </a:r>
+            <a:r>
+              <a:rPr lang="fr-FR" b="1" baseline="-25000" dirty="0" smtClean="0">
+                <a:solidFill>
+                  <a:schemeClr val="accent2"/>
+                </a:solidFill>
+              </a:rPr>
+              <a:t> </a:t>
+            </a:r>
+            <a:r>
+              <a:rPr lang="fr-FR" b="1" dirty="0" smtClean="0"/>
+              <a:t> </a:t>
+            </a:r>
+            <a:r>
+              <a:rPr lang="fr-FR" dirty="0" err="1" smtClean="0"/>
+              <a:t>Execute</a:t>
+            </a:r>
+            <a:r>
+              <a:rPr lang="fr-FR" dirty="0" smtClean="0"/>
+              <a:t> SQL alter table </a:t>
+            </a:r>
+            <a:r>
+              <a:rPr lang="fr-FR" dirty="0" err="1" smtClean="0"/>
+              <a:t>statement</a:t>
+            </a:r>
+            <a:endParaRPr lang="fr-FR" dirty="0" smtClean="0"/>
+          </a:p>
+          <a:p>
+            <a:r>
+              <a:rPr lang="fr-FR" b="1" dirty="0" err="1">
+                <a:solidFill>
+                  <a:srgbClr val="55AB26"/>
+                </a:solidFill>
+              </a:rPr>
+              <a:t>U</a:t>
+            </a:r>
+            <a:r>
+              <a:rPr lang="fr-FR" b="1" baseline="-25000" dirty="0" err="1">
+                <a:solidFill>
+                  <a:srgbClr val="55AB26"/>
+                </a:solidFill>
+              </a:rPr>
+              <a:t>col</a:t>
+            </a:r>
+            <a:r>
+              <a:rPr lang="fr-FR" b="1" baseline="-25000" dirty="0" smtClean="0">
+                <a:solidFill>
+                  <a:schemeClr val="accent2"/>
+                </a:solidFill>
+              </a:rPr>
+              <a:t> </a:t>
+            </a:r>
+            <a:r>
+              <a:rPr lang="fr-FR" dirty="0" err="1" smtClean="0"/>
+              <a:t>Execute</a:t>
+            </a:r>
+            <a:r>
+              <a:rPr lang="fr-FR" dirty="0" smtClean="0"/>
+              <a:t> CQL alter table </a:t>
+            </a:r>
+            <a:r>
+              <a:rPr lang="fr-FR" dirty="0" err="1" smtClean="0"/>
+              <a:t>statement</a:t>
+            </a:r>
+            <a:endParaRPr lang="fr-FR" dirty="0" smtClean="0"/>
+          </a:p>
+          <a:p>
+            <a:r>
+              <a:rPr lang="fr-FR" b="1" dirty="0" err="1" smtClean="0">
+                <a:solidFill>
+                  <a:srgbClr val="55AB26"/>
+                </a:solidFill>
+              </a:rPr>
+              <a:t>UD</a:t>
+            </a:r>
+            <a:r>
+              <a:rPr lang="fr-FR" b="1" baseline="-25000" dirty="0" err="1" smtClean="0">
+                <a:solidFill>
+                  <a:srgbClr val="55AB26"/>
+                </a:solidFill>
+              </a:rPr>
+              <a:t>doc</a:t>
+            </a:r>
+            <a:r>
+              <a:rPr lang="fr-FR" b="1" baseline="-25000" dirty="0" smtClean="0">
+                <a:solidFill>
+                  <a:srgbClr val="55AB26"/>
+                </a:solidFill>
+              </a:rPr>
+              <a:t> </a:t>
+            </a:r>
+            <a:r>
+              <a:rPr lang="fr-FR" dirty="0" err="1" smtClean="0"/>
+              <a:t>Execute</a:t>
+            </a:r>
+            <a:r>
+              <a:rPr lang="fr-FR" dirty="0" smtClean="0"/>
+              <a:t> </a:t>
+            </a:r>
+            <a:r>
+              <a:rPr lang="fr-FR" dirty="0" err="1" smtClean="0"/>
+              <a:t>rename</a:t>
+            </a:r>
+            <a:r>
+              <a:rPr lang="fr-FR" dirty="0" smtClean="0"/>
+              <a:t> </a:t>
+            </a:r>
+            <a:r>
+              <a:rPr lang="fr-FR" dirty="0" err="1" smtClean="0"/>
+              <a:t>statement</a:t>
+            </a:r>
+            <a:endParaRPr lang="fr-FR" b="1" baseline="-25000" dirty="0" smtClean="0">
+              <a:solidFill>
+                <a:srgbClr val="55AB26"/>
+              </a:solidFill>
+            </a:endParaRPr>
+          </a:p>
+          <a:p>
+            <a:r>
+              <a:rPr lang="fr-FR" b="1" dirty="0" err="1" smtClean="0">
+                <a:solidFill>
+                  <a:srgbClr val="55AB26"/>
+                </a:solidFill>
+              </a:rPr>
+              <a:t>UD</a:t>
+            </a:r>
+            <a:r>
+              <a:rPr lang="fr-FR" b="1" baseline="-25000" dirty="0" err="1" smtClean="0">
+                <a:solidFill>
+                  <a:srgbClr val="55AB26"/>
+                </a:solidFill>
+              </a:rPr>
+              <a:t>key</a:t>
+            </a:r>
+            <a:r>
+              <a:rPr lang="fr-FR" b="1" dirty="0" smtClean="0">
+                <a:solidFill>
+                  <a:srgbClr val="55AB26"/>
+                </a:solidFill>
+              </a:rPr>
+              <a:t> </a:t>
+            </a:r>
+            <a:r>
+              <a:rPr lang="fr-FR" dirty="0" err="1" smtClean="0"/>
+              <a:t>Delete</a:t>
+            </a:r>
+            <a:r>
+              <a:rPr lang="fr-FR" dirty="0" smtClean="0"/>
+              <a:t> and </a:t>
+            </a:r>
+            <a:r>
+              <a:rPr lang="fr-FR" dirty="0" err="1" smtClean="0"/>
+              <a:t>add</a:t>
+            </a:r>
+            <a:r>
+              <a:rPr lang="fr-FR" dirty="0" smtClean="0"/>
+              <a:t> new key value pairs</a:t>
+            </a:r>
+          </a:p>
+          <a:p>
+            <a:r>
+              <a:rPr lang="fr-FR" b="1" dirty="0" err="1" smtClean="0">
+                <a:solidFill>
+                  <a:srgbClr val="55AB26"/>
+                </a:solidFill>
+              </a:rPr>
+              <a:t>UD</a:t>
+            </a:r>
+            <a:r>
+              <a:rPr lang="fr-FR" b="1" baseline="-25000" dirty="0" err="1" smtClean="0">
+                <a:solidFill>
+                  <a:srgbClr val="55AB26"/>
+                </a:solidFill>
+              </a:rPr>
+              <a:t>graph</a:t>
+            </a:r>
+            <a:r>
+              <a:rPr lang="fr-FR" b="1" baseline="-25000" dirty="0" smtClean="0">
+                <a:solidFill>
+                  <a:srgbClr val="55AB26"/>
+                </a:solidFill>
+              </a:rPr>
+              <a:t> </a:t>
+            </a:r>
+            <a:r>
+              <a:rPr lang="fr-FR" dirty="0" err="1" smtClean="0"/>
+              <a:t>Modify</a:t>
+            </a:r>
+            <a:r>
+              <a:rPr lang="fr-FR" dirty="0" smtClean="0"/>
+              <a:t> </a:t>
+            </a:r>
+            <a:r>
+              <a:rPr lang="fr-FR" dirty="0" err="1" smtClean="0"/>
+              <a:t>nodes</a:t>
+            </a:r>
+            <a:endParaRPr lang="fr-BE" b="1" baseline="-25000" dirty="0">
+              <a:solidFill>
+                <a:srgbClr val="55AB26"/>
+              </a:solidFill>
+            </a:endParaRPr>
+          </a:p>
+          <a:p>
+            <a:endParaRPr lang="fr-FR" dirty="0" smtClean="0"/>
+          </a:p>
+          <a:p>
+            <a:endParaRPr lang="fr-BE" dirty="0"/>
+          </a:p>
+        </p:txBody>
+      </p:sp>
+    </p:spTree>
+    <p:extLst>
+      <p:ext uri="{BB962C8B-B14F-4D97-AF65-F5344CB8AC3E}">
+        <p14:creationId xmlns:p14="http://schemas.microsoft.com/office/powerpoint/2010/main" val="4144112321"/>
+      </p:ext>
+    </p:extLst>
+  </p:cSld>
+  <p:clrMapOvr>
+    <a:masterClrMapping/>
+  </p:clrMapOvr>
+  <mc:AlternateContent xmlns:mc="http://schemas.openxmlformats.org/markup-compatibility/2006">
+    <mc:Choice xmlns:p14="http://schemas.microsoft.com/office/powerpoint/2010/main" Requires="p14">
+      <p:transition spd="slow" p14:dur="2000"/>
+    </mc:Choice>
+    <mc:Fallback>
+      <p:transition spd="slow"/>
+    </mc:Fallback>
+  </mc:AlternateContent>
   <p:timing>
     <p:tnLst>
       <p:par>
